--- a/data/data_source/가독성 및 정확성 비교.pptx
+++ b/data/data_source/가독성 및 정확성 비교.pptx
@@ -7,7 +7,10 @@
   <p:sldIdLst>
     <p:sldId id="256" r:id="rId2"/>
     <p:sldId id="258" r:id="rId3"/>
-    <p:sldId id="257" r:id="rId4"/>
+    <p:sldId id="259" r:id="rId4"/>
+    <p:sldId id="262" r:id="rId5"/>
+    <p:sldId id="261" r:id="rId6"/>
+    <p:sldId id="260" r:id="rId7"/>
   </p:sldIdLst>
   <p:sldSz cx="12192000" cy="6858000"/>
   <p:notesSz cx="6858000" cy="9144000"/>
@@ -106,6 +109,11 @@
       </a:defRPr>
     </a:lvl9pPr>
   </p:defaultTextStyle>
+  <p:extLst>
+    <p:ext uri="{EFAFB233-063F-42B5-8137-9DF3F51BA10A}">
+      <p15:sldGuideLst xmlns:p15="http://schemas.microsoft.com/office/powerpoint/2012/main"/>
+    </p:ext>
+  </p:extLst>
 </p:presentation>
 </file>
 
@@ -256,7 +264,7 @@
           <a:p>
             <a:fld id="{84F1C9CC-6E88-4DA0-9D44-6D976036C488}" type="datetimeFigureOut">
               <a:rPr lang="ko-KR" altLang="en-US" smtClean="0"/>
-              <a:t>2024-12-12-Thu</a:t>
+              <a:t>2024-12-16-Mon</a:t>
             </a:fld>
             <a:endParaRPr lang="ko-KR" altLang="en-US"/>
           </a:p>
@@ -454,7 +462,7 @@
           <a:p>
             <a:fld id="{84F1C9CC-6E88-4DA0-9D44-6D976036C488}" type="datetimeFigureOut">
               <a:rPr lang="ko-KR" altLang="en-US" smtClean="0"/>
-              <a:t>2024-12-12-Thu</a:t>
+              <a:t>2024-12-16-Mon</a:t>
             </a:fld>
             <a:endParaRPr lang="ko-KR" altLang="en-US"/>
           </a:p>
@@ -662,7 +670,7 @@
           <a:p>
             <a:fld id="{84F1C9CC-6E88-4DA0-9D44-6D976036C488}" type="datetimeFigureOut">
               <a:rPr lang="ko-KR" altLang="en-US" smtClean="0"/>
-              <a:t>2024-12-12-Thu</a:t>
+              <a:t>2024-12-16-Mon</a:t>
             </a:fld>
             <a:endParaRPr lang="ko-KR" altLang="en-US"/>
           </a:p>
@@ -860,7 +868,7 @@
           <a:p>
             <a:fld id="{84F1C9CC-6E88-4DA0-9D44-6D976036C488}" type="datetimeFigureOut">
               <a:rPr lang="ko-KR" altLang="en-US" smtClean="0"/>
-              <a:t>2024-12-12-Thu</a:t>
+              <a:t>2024-12-16-Mon</a:t>
             </a:fld>
             <a:endParaRPr lang="ko-KR" altLang="en-US"/>
           </a:p>
@@ -1135,7 +1143,7 @@
           <a:p>
             <a:fld id="{84F1C9CC-6E88-4DA0-9D44-6D976036C488}" type="datetimeFigureOut">
               <a:rPr lang="ko-KR" altLang="en-US" smtClean="0"/>
-              <a:t>2024-12-12-Thu</a:t>
+              <a:t>2024-12-16-Mon</a:t>
             </a:fld>
             <a:endParaRPr lang="ko-KR" altLang="en-US"/>
           </a:p>
@@ -1400,7 +1408,7 @@
           <a:p>
             <a:fld id="{84F1C9CC-6E88-4DA0-9D44-6D976036C488}" type="datetimeFigureOut">
               <a:rPr lang="ko-KR" altLang="en-US" smtClean="0"/>
-              <a:t>2024-12-12-Thu</a:t>
+              <a:t>2024-12-16-Mon</a:t>
             </a:fld>
             <a:endParaRPr lang="ko-KR" altLang="en-US"/>
           </a:p>
@@ -1812,7 +1820,7 @@
           <a:p>
             <a:fld id="{84F1C9CC-6E88-4DA0-9D44-6D976036C488}" type="datetimeFigureOut">
               <a:rPr lang="ko-KR" altLang="en-US" smtClean="0"/>
-              <a:t>2024-12-12-Thu</a:t>
+              <a:t>2024-12-16-Mon</a:t>
             </a:fld>
             <a:endParaRPr lang="ko-KR" altLang="en-US"/>
           </a:p>
@@ -1953,7 +1961,7 @@
           <a:p>
             <a:fld id="{84F1C9CC-6E88-4DA0-9D44-6D976036C488}" type="datetimeFigureOut">
               <a:rPr lang="ko-KR" altLang="en-US" smtClean="0"/>
-              <a:t>2024-12-12-Thu</a:t>
+              <a:t>2024-12-16-Mon</a:t>
             </a:fld>
             <a:endParaRPr lang="ko-KR" altLang="en-US"/>
           </a:p>
@@ -2066,7 +2074,7 @@
           <a:p>
             <a:fld id="{84F1C9CC-6E88-4DA0-9D44-6D976036C488}" type="datetimeFigureOut">
               <a:rPr lang="ko-KR" altLang="en-US" smtClean="0"/>
-              <a:t>2024-12-12-Thu</a:t>
+              <a:t>2024-12-16-Mon</a:t>
             </a:fld>
             <a:endParaRPr lang="ko-KR" altLang="en-US"/>
           </a:p>
@@ -2377,7 +2385,7 @@
           <a:p>
             <a:fld id="{84F1C9CC-6E88-4DA0-9D44-6D976036C488}" type="datetimeFigureOut">
               <a:rPr lang="ko-KR" altLang="en-US" smtClean="0"/>
-              <a:t>2024-12-12-Thu</a:t>
+              <a:t>2024-12-16-Mon</a:t>
             </a:fld>
             <a:endParaRPr lang="ko-KR" altLang="en-US"/>
           </a:p>
@@ -2665,7 +2673,7 @@
           <a:p>
             <a:fld id="{84F1C9CC-6E88-4DA0-9D44-6D976036C488}" type="datetimeFigureOut">
               <a:rPr lang="ko-KR" altLang="en-US" smtClean="0"/>
-              <a:t>2024-12-12-Thu</a:t>
+              <a:t>2024-12-16-Mon</a:t>
             </a:fld>
             <a:endParaRPr lang="ko-KR" altLang="en-US"/>
           </a:p>
@@ -2906,7 +2914,7 @@
           <a:p>
             <a:fld id="{84F1C9CC-6E88-4DA0-9D44-6D976036C488}" type="datetimeFigureOut">
               <a:rPr lang="ko-KR" altLang="en-US" smtClean="0"/>
-              <a:t>2024-12-12-Thu</a:t>
+              <a:t>2024-12-16-Mon</a:t>
             </a:fld>
             <a:endParaRPr lang="ko-KR" altLang="en-US"/>
           </a:p>
@@ -3383,6 +3391,45 @@
           </a:prstGeom>
         </p:spPr>
       </p:pic>
+      <p:sp>
+        <p:nvSpPr>
+          <p:cNvPr id="2" name="TextBox 1">
+            <a:extLst>
+              <a:ext uri="{FF2B5EF4-FFF2-40B4-BE49-F238E27FC236}">
+                <a16:creationId xmlns:a16="http://schemas.microsoft.com/office/drawing/2014/main" id="{EDE445C2-9E6B-1525-1B2A-6780FED682A2}"/>
+              </a:ext>
+            </a:extLst>
+          </p:cNvPr>
+          <p:cNvSpPr txBox="1"/>
+          <p:nvPr/>
+        </p:nvSpPr>
+        <p:spPr>
+          <a:xfrm>
+            <a:off x="0" y="-20940"/>
+            <a:ext cx="4097350" cy="646331"/>
+          </a:xfrm>
+          <a:prstGeom prst="rect">
+            <a:avLst/>
+          </a:prstGeom>
+          <a:noFill/>
+        </p:spPr>
+        <p:txBody>
+          <a:bodyPr wrap="square" rtlCol="0">
+            <a:spAutoFit/>
+          </a:bodyPr>
+          <a:lstStyle/>
+          <a:p>
+            <a:r>
+              <a:rPr lang="ko-KR" altLang="en-US" dirty="0"/>
+              <a:t>가독성 수정 전</a:t>
+            </a:r>
+            <a:endParaRPr lang="en-US" altLang="ko-KR" dirty="0"/>
+          </a:p>
+          <a:p>
+            <a:endParaRPr lang="ko-KR" altLang="en-US" dirty="0"/>
+          </a:p>
+        </p:txBody>
+      </p:sp>
     </p:spTree>
     <p:extLst>
       <p:ext uri="{BB962C8B-B14F-4D97-AF65-F5344CB8AC3E}">
@@ -3479,6 +3526,49 @@
           </a:prstGeom>
         </p:spPr>
       </p:pic>
+      <p:sp>
+        <p:nvSpPr>
+          <p:cNvPr id="2" name="TextBox 1">
+            <a:extLst>
+              <a:ext uri="{FF2B5EF4-FFF2-40B4-BE49-F238E27FC236}">
+                <a16:creationId xmlns:a16="http://schemas.microsoft.com/office/drawing/2014/main" id="{C9FECB57-D87C-49EB-D179-D05F1CDA74F6}"/>
+              </a:ext>
+            </a:extLst>
+          </p:cNvPr>
+          <p:cNvSpPr txBox="1"/>
+          <p:nvPr/>
+        </p:nvSpPr>
+        <p:spPr>
+          <a:xfrm>
+            <a:off x="0" y="-20940"/>
+            <a:ext cx="4097350" cy="646331"/>
+          </a:xfrm>
+          <a:prstGeom prst="rect">
+            <a:avLst/>
+          </a:prstGeom>
+          <a:noFill/>
+        </p:spPr>
+        <p:txBody>
+          <a:bodyPr wrap="square" rtlCol="0">
+            <a:spAutoFit/>
+          </a:bodyPr>
+          <a:lstStyle/>
+          <a:p>
+            <a:r>
+              <a:rPr lang="ko-KR" altLang="en-US" dirty="0"/>
+              <a:t>가독성 </a:t>
+            </a:r>
+            <a:r>
+              <a:rPr lang="ko-KR" altLang="en-US"/>
+              <a:t>수정 후</a:t>
+            </a:r>
+            <a:endParaRPr lang="en-US" altLang="ko-KR" dirty="0"/>
+          </a:p>
+          <a:p>
+            <a:endParaRPr lang="ko-KR" altLang="en-US" dirty="0"/>
+          </a:p>
+        </p:txBody>
+      </p:sp>
     </p:spTree>
     <p:extLst>
       <p:ext uri="{BB962C8B-B14F-4D97-AF65-F5344CB8AC3E}">
@@ -3497,7 +3587,13 @@
   <p:cSld>
     <p:spTree>
       <p:nvGrpSpPr>
-        <p:cNvPr id="1" name=""/>
+        <p:cNvPr id="1" name="">
+          <a:extLst>
+            <a:ext uri="{FF2B5EF4-FFF2-40B4-BE49-F238E27FC236}">
+              <a16:creationId xmlns:a16="http://schemas.microsoft.com/office/drawing/2014/main" id="{A1CF5963-B920-B215-15A0-21E8AE3E1BF5}"/>
+            </a:ext>
+          </a:extLst>
+        </p:cNvPr>
         <p:cNvGrpSpPr/>
         <p:nvPr/>
       </p:nvGrpSpPr>
@@ -3509,10 +3605,616 @@
           <a:chExt cx="0" cy="0"/>
         </a:xfrm>
       </p:grpSpPr>
+      <p:sp>
+        <p:nvSpPr>
+          <p:cNvPr id="4" name="TextBox 3">
+            <a:extLst>
+              <a:ext uri="{FF2B5EF4-FFF2-40B4-BE49-F238E27FC236}">
+                <a16:creationId xmlns:a16="http://schemas.microsoft.com/office/drawing/2014/main" id="{7A7D4E68-10D7-4C13-E103-FBC36404B6B6}"/>
+              </a:ext>
+            </a:extLst>
+          </p:cNvPr>
+          <p:cNvSpPr txBox="1"/>
+          <p:nvPr/>
+        </p:nvSpPr>
+        <p:spPr>
+          <a:xfrm>
+            <a:off x="0" y="-20940"/>
+            <a:ext cx="4097350" cy="369332"/>
+          </a:xfrm>
+          <a:prstGeom prst="rect">
+            <a:avLst/>
+          </a:prstGeom>
+          <a:noFill/>
+        </p:spPr>
+        <p:txBody>
+          <a:bodyPr wrap="square" rtlCol="0">
+            <a:spAutoFit/>
+          </a:bodyPr>
+          <a:lstStyle/>
+          <a:p>
+            <a:r>
+              <a:rPr lang="ko-KR" altLang="en-US" dirty="0"/>
+              <a:t>문서에는 없는데 답변이 잘 나옴</a:t>
+            </a:r>
+          </a:p>
+        </p:txBody>
+      </p:sp>
+      <p:pic>
+        <p:nvPicPr>
+          <p:cNvPr id="6" name="그림 5">
+            <a:extLst>
+              <a:ext uri="{FF2B5EF4-FFF2-40B4-BE49-F238E27FC236}">
+                <a16:creationId xmlns:a16="http://schemas.microsoft.com/office/drawing/2014/main" id="{3F2997A3-B153-61B3-6732-86E91FBB8DEB}"/>
+              </a:ext>
+            </a:extLst>
+          </p:cNvPr>
+          <p:cNvPicPr>
+            <a:picLocks noChangeAspect="1"/>
+          </p:cNvPicPr>
+          <p:nvPr/>
+        </p:nvPicPr>
+        <p:blipFill>
+          <a:blip r:embed="rId2"/>
+          <a:stretch>
+            <a:fillRect/>
+          </a:stretch>
+        </p:blipFill>
+        <p:spPr>
+          <a:xfrm>
+            <a:off x="0" y="4633886"/>
+            <a:ext cx="12192000" cy="1862082"/>
+          </a:xfrm>
+          <a:prstGeom prst="rect">
+            <a:avLst/>
+          </a:prstGeom>
+        </p:spPr>
+      </p:pic>
+      <p:pic>
+        <p:nvPicPr>
+          <p:cNvPr id="8" name="그림 7">
+            <a:extLst>
+              <a:ext uri="{FF2B5EF4-FFF2-40B4-BE49-F238E27FC236}">
+                <a16:creationId xmlns:a16="http://schemas.microsoft.com/office/drawing/2014/main" id="{967FD9BB-6D6A-5BC9-BB35-74FB8E755D06}"/>
+              </a:ext>
+            </a:extLst>
+          </p:cNvPr>
+          <p:cNvPicPr>
+            <a:picLocks noChangeAspect="1"/>
+          </p:cNvPicPr>
+          <p:nvPr/>
+        </p:nvPicPr>
+        <p:blipFill>
+          <a:blip r:embed="rId3"/>
+          <a:stretch>
+            <a:fillRect/>
+          </a:stretch>
+        </p:blipFill>
+        <p:spPr>
+          <a:xfrm>
+            <a:off x="0" y="1707650"/>
+            <a:ext cx="11812649" cy="1781424"/>
+          </a:xfrm>
+          <a:prstGeom prst="rect">
+            <a:avLst/>
+          </a:prstGeom>
+        </p:spPr>
+      </p:pic>
+      <p:sp>
+        <p:nvSpPr>
+          <p:cNvPr id="9" name="TextBox 8">
+            <a:extLst>
+              <a:ext uri="{FF2B5EF4-FFF2-40B4-BE49-F238E27FC236}">
+                <a16:creationId xmlns:a16="http://schemas.microsoft.com/office/drawing/2014/main" id="{B9209C2F-E30D-94B7-92D9-BD47C064AF0E}"/>
+              </a:ext>
+            </a:extLst>
+          </p:cNvPr>
+          <p:cNvSpPr txBox="1"/>
+          <p:nvPr/>
+        </p:nvSpPr>
+        <p:spPr>
+          <a:xfrm>
+            <a:off x="276880" y="3876814"/>
+            <a:ext cx="4097350" cy="369332"/>
+          </a:xfrm>
+          <a:prstGeom prst="rect">
+            <a:avLst/>
+          </a:prstGeom>
+          <a:noFill/>
+        </p:spPr>
+        <p:txBody>
+          <a:bodyPr wrap="square" rtlCol="0">
+            <a:spAutoFit/>
+          </a:bodyPr>
+          <a:lstStyle/>
+          <a:p>
+            <a:r>
+              <a:rPr lang="ko-KR" altLang="en-US" dirty="0" err="1"/>
+              <a:t>전처리</a:t>
+            </a:r>
+            <a:r>
+              <a:rPr lang="ko-KR" altLang="en-US" dirty="0"/>
+              <a:t> 후</a:t>
+            </a:r>
+          </a:p>
+        </p:txBody>
+      </p:sp>
+      <p:sp>
+        <p:nvSpPr>
+          <p:cNvPr id="10" name="TextBox 9">
+            <a:extLst>
+              <a:ext uri="{FF2B5EF4-FFF2-40B4-BE49-F238E27FC236}">
+                <a16:creationId xmlns:a16="http://schemas.microsoft.com/office/drawing/2014/main" id="{5CF299E7-BB10-E9B9-10E8-7E6E59F7446F}"/>
+              </a:ext>
+            </a:extLst>
+          </p:cNvPr>
+          <p:cNvSpPr txBox="1"/>
+          <p:nvPr/>
+        </p:nvSpPr>
+        <p:spPr>
+          <a:xfrm>
+            <a:off x="276880" y="1276272"/>
+            <a:ext cx="4097350" cy="369332"/>
+          </a:xfrm>
+          <a:prstGeom prst="rect">
+            <a:avLst/>
+          </a:prstGeom>
+          <a:noFill/>
+        </p:spPr>
+        <p:txBody>
+          <a:bodyPr wrap="square" rtlCol="0">
+            <a:spAutoFit/>
+          </a:bodyPr>
+          <a:lstStyle/>
+          <a:p>
+            <a:r>
+              <a:rPr lang="ko-KR" altLang="en-US" dirty="0" err="1"/>
+              <a:t>전처리</a:t>
+            </a:r>
+            <a:r>
+              <a:rPr lang="ko-KR" altLang="en-US" dirty="0"/>
+              <a:t> 전</a:t>
+            </a:r>
+          </a:p>
+        </p:txBody>
+      </p:sp>
     </p:spTree>
     <p:extLst>
       <p:ext uri="{BB962C8B-B14F-4D97-AF65-F5344CB8AC3E}">
-        <p14:creationId xmlns:p14="http://schemas.microsoft.com/office/powerpoint/2010/main" val="2404529728"/>
+        <p14:creationId xmlns:p14="http://schemas.microsoft.com/office/powerpoint/2010/main" val="3143662034"/>
+      </p:ext>
+    </p:extLst>
+  </p:cSld>
+  <p:clrMapOvr>
+    <a:masterClrMapping/>
+  </p:clrMapOvr>
+</p:sld>
+</file>
+
+<file path=ppt/slides/slide4.xml><?xml version="1.0" encoding="utf-8"?>
+<p:sld xmlns:a="http://schemas.openxmlformats.org/drawingml/2006/main" xmlns:r="http://schemas.openxmlformats.org/officeDocument/2006/relationships" xmlns:p="http://schemas.openxmlformats.org/presentationml/2006/main">
+  <p:cSld>
+    <p:spTree>
+      <p:nvGrpSpPr>
+        <p:cNvPr id="1" name="">
+          <a:extLst>
+            <a:ext uri="{FF2B5EF4-FFF2-40B4-BE49-F238E27FC236}">
+              <a16:creationId xmlns:a16="http://schemas.microsoft.com/office/drawing/2014/main" id="{AA6BA077-6D2C-A79A-88EB-FFEC3BDA4EB9}"/>
+            </a:ext>
+          </a:extLst>
+        </p:cNvPr>
+        <p:cNvGrpSpPr/>
+        <p:nvPr/>
+      </p:nvGrpSpPr>
+      <p:grpSpPr>
+        <a:xfrm>
+          <a:off x="0" y="0"/>
+          <a:ext cx="0" cy="0"/>
+          <a:chOff x="0" y="0"/>
+          <a:chExt cx="0" cy="0"/>
+        </a:xfrm>
+      </p:grpSpPr>
+      <p:sp>
+        <p:nvSpPr>
+          <p:cNvPr id="4" name="TextBox 3">
+            <a:extLst>
+              <a:ext uri="{FF2B5EF4-FFF2-40B4-BE49-F238E27FC236}">
+                <a16:creationId xmlns:a16="http://schemas.microsoft.com/office/drawing/2014/main" id="{FFF2A40A-158E-4925-3C35-9F9398447DE4}"/>
+              </a:ext>
+            </a:extLst>
+          </p:cNvPr>
+          <p:cNvSpPr txBox="1"/>
+          <p:nvPr/>
+        </p:nvSpPr>
+        <p:spPr>
+          <a:xfrm>
+            <a:off x="0" y="-20940"/>
+            <a:ext cx="4097350" cy="369332"/>
+          </a:xfrm>
+          <a:prstGeom prst="rect">
+            <a:avLst/>
+          </a:prstGeom>
+          <a:noFill/>
+        </p:spPr>
+        <p:txBody>
+          <a:bodyPr wrap="square" rtlCol="0">
+            <a:spAutoFit/>
+          </a:bodyPr>
+          <a:lstStyle/>
+          <a:p>
+            <a:r>
+              <a:rPr lang="ko-KR" altLang="en-US" dirty="0"/>
+              <a:t>문서는 있는데 둘 다 못 찾음</a:t>
+            </a:r>
+          </a:p>
+        </p:txBody>
+      </p:sp>
+      <p:sp>
+        <p:nvSpPr>
+          <p:cNvPr id="9" name="TextBox 8">
+            <a:extLst>
+              <a:ext uri="{FF2B5EF4-FFF2-40B4-BE49-F238E27FC236}">
+                <a16:creationId xmlns:a16="http://schemas.microsoft.com/office/drawing/2014/main" id="{84BA786E-DFFD-6E4A-7450-9FDEC9A84F2E}"/>
+              </a:ext>
+            </a:extLst>
+          </p:cNvPr>
+          <p:cNvSpPr txBox="1"/>
+          <p:nvPr/>
+        </p:nvSpPr>
+        <p:spPr>
+          <a:xfrm>
+            <a:off x="0" y="3617047"/>
+            <a:ext cx="4097350" cy="369332"/>
+          </a:xfrm>
+          <a:prstGeom prst="rect">
+            <a:avLst/>
+          </a:prstGeom>
+          <a:noFill/>
+        </p:spPr>
+        <p:txBody>
+          <a:bodyPr wrap="square" rtlCol="0">
+            <a:spAutoFit/>
+          </a:bodyPr>
+          <a:lstStyle/>
+          <a:p>
+            <a:r>
+              <a:rPr lang="ko-KR" altLang="en-US" dirty="0" err="1"/>
+              <a:t>전처리</a:t>
+            </a:r>
+            <a:r>
+              <a:rPr lang="ko-KR" altLang="en-US" dirty="0"/>
+              <a:t> 후</a:t>
+            </a:r>
+          </a:p>
+        </p:txBody>
+      </p:sp>
+      <p:sp>
+        <p:nvSpPr>
+          <p:cNvPr id="10" name="TextBox 9">
+            <a:extLst>
+              <a:ext uri="{FF2B5EF4-FFF2-40B4-BE49-F238E27FC236}">
+                <a16:creationId xmlns:a16="http://schemas.microsoft.com/office/drawing/2014/main" id="{2410C9D8-BF1C-C887-35F8-E43548A57F75}"/>
+              </a:ext>
+            </a:extLst>
+          </p:cNvPr>
+          <p:cNvSpPr txBox="1"/>
+          <p:nvPr/>
+        </p:nvSpPr>
+        <p:spPr>
+          <a:xfrm>
+            <a:off x="0" y="457957"/>
+            <a:ext cx="4097350" cy="369332"/>
+          </a:xfrm>
+          <a:prstGeom prst="rect">
+            <a:avLst/>
+          </a:prstGeom>
+          <a:noFill/>
+        </p:spPr>
+        <p:txBody>
+          <a:bodyPr wrap="square" rtlCol="0">
+            <a:spAutoFit/>
+          </a:bodyPr>
+          <a:lstStyle/>
+          <a:p>
+            <a:r>
+              <a:rPr lang="ko-KR" altLang="en-US" dirty="0" err="1"/>
+              <a:t>전처리</a:t>
+            </a:r>
+            <a:r>
+              <a:rPr lang="ko-KR" altLang="en-US" dirty="0"/>
+              <a:t> 전</a:t>
+            </a:r>
+          </a:p>
+        </p:txBody>
+      </p:sp>
+      <p:pic>
+        <p:nvPicPr>
+          <p:cNvPr id="3" name="그림 2">
+            <a:extLst>
+              <a:ext uri="{FF2B5EF4-FFF2-40B4-BE49-F238E27FC236}">
+                <a16:creationId xmlns:a16="http://schemas.microsoft.com/office/drawing/2014/main" id="{BC364390-FBCA-4FEA-16D3-CA67D92BFF7E}"/>
+              </a:ext>
+            </a:extLst>
+          </p:cNvPr>
+          <p:cNvPicPr>
+            <a:picLocks noChangeAspect="1"/>
+          </p:cNvPicPr>
+          <p:nvPr/>
+        </p:nvPicPr>
+        <p:blipFill>
+          <a:blip r:embed="rId2"/>
+          <a:stretch>
+            <a:fillRect/>
+          </a:stretch>
+        </p:blipFill>
+        <p:spPr>
+          <a:xfrm>
+            <a:off x="1423951" y="334698"/>
+            <a:ext cx="9703984" cy="3542116"/>
+          </a:xfrm>
+          <a:prstGeom prst="rect">
+            <a:avLst/>
+          </a:prstGeom>
+        </p:spPr>
+      </p:pic>
+      <p:pic>
+        <p:nvPicPr>
+          <p:cNvPr id="7" name="그림 6">
+            <a:extLst>
+              <a:ext uri="{FF2B5EF4-FFF2-40B4-BE49-F238E27FC236}">
+                <a16:creationId xmlns:a16="http://schemas.microsoft.com/office/drawing/2014/main" id="{38EAA0F6-649C-FC02-E124-8BDA1D52B7A9}"/>
+              </a:ext>
+            </a:extLst>
+          </p:cNvPr>
+          <p:cNvPicPr>
+            <a:picLocks noChangeAspect="1"/>
+          </p:cNvPicPr>
+          <p:nvPr/>
+        </p:nvPicPr>
+        <p:blipFill>
+          <a:blip r:embed="rId3"/>
+          <a:stretch>
+            <a:fillRect/>
+          </a:stretch>
+        </p:blipFill>
+        <p:spPr>
+          <a:xfrm>
+            <a:off x="125643" y="3986379"/>
+            <a:ext cx="8725191" cy="3309764"/>
+          </a:xfrm>
+          <a:prstGeom prst="rect">
+            <a:avLst/>
+          </a:prstGeom>
+        </p:spPr>
+      </p:pic>
+    </p:spTree>
+    <p:extLst>
+      <p:ext uri="{BB962C8B-B14F-4D97-AF65-F5344CB8AC3E}">
+        <p14:creationId xmlns:p14="http://schemas.microsoft.com/office/powerpoint/2010/main" val="293606777"/>
+      </p:ext>
+    </p:extLst>
+  </p:cSld>
+  <p:clrMapOvr>
+    <a:masterClrMapping/>
+  </p:clrMapOvr>
+</p:sld>
+</file>
+
+<file path=ppt/slides/slide5.xml><?xml version="1.0" encoding="utf-8"?>
+<p:sld xmlns:a="http://schemas.openxmlformats.org/drawingml/2006/main" xmlns:r="http://schemas.openxmlformats.org/officeDocument/2006/relationships" xmlns:p="http://schemas.openxmlformats.org/presentationml/2006/main">
+  <p:cSld>
+    <p:spTree>
+      <p:nvGrpSpPr>
+        <p:cNvPr id="1" name="">
+          <a:extLst>
+            <a:ext uri="{FF2B5EF4-FFF2-40B4-BE49-F238E27FC236}">
+              <a16:creationId xmlns:a16="http://schemas.microsoft.com/office/drawing/2014/main" id="{4F753AE1-2ED0-C3E0-36D2-75140A4836EC}"/>
+            </a:ext>
+          </a:extLst>
+        </p:cNvPr>
+        <p:cNvGrpSpPr/>
+        <p:nvPr/>
+      </p:nvGrpSpPr>
+      <p:grpSpPr>
+        <a:xfrm>
+          <a:off x="0" y="0"/>
+          <a:ext cx="0" cy="0"/>
+          <a:chOff x="0" y="0"/>
+          <a:chExt cx="0" cy="0"/>
+        </a:xfrm>
+      </p:grpSpPr>
+      <p:pic>
+        <p:nvPicPr>
+          <p:cNvPr id="3" name="그림 2">
+            <a:extLst>
+              <a:ext uri="{FF2B5EF4-FFF2-40B4-BE49-F238E27FC236}">
+                <a16:creationId xmlns:a16="http://schemas.microsoft.com/office/drawing/2014/main" id="{D8B9BF58-0B03-B03F-D788-399B3D8D373E}"/>
+              </a:ext>
+            </a:extLst>
+          </p:cNvPr>
+          <p:cNvPicPr>
+            <a:picLocks noChangeAspect="1"/>
+          </p:cNvPicPr>
+          <p:nvPr/>
+        </p:nvPicPr>
+        <p:blipFill>
+          <a:blip r:embed="rId2"/>
+          <a:stretch>
+            <a:fillRect/>
+          </a:stretch>
+        </p:blipFill>
+        <p:spPr>
+          <a:xfrm>
+            <a:off x="0" y="718956"/>
+            <a:ext cx="12192000" cy="3816846"/>
+          </a:xfrm>
+          <a:prstGeom prst="rect">
+            <a:avLst/>
+          </a:prstGeom>
+        </p:spPr>
+      </p:pic>
+      <p:sp>
+        <p:nvSpPr>
+          <p:cNvPr id="4" name="TextBox 3">
+            <a:extLst>
+              <a:ext uri="{FF2B5EF4-FFF2-40B4-BE49-F238E27FC236}">
+                <a16:creationId xmlns:a16="http://schemas.microsoft.com/office/drawing/2014/main" id="{92F64CD7-5432-5BDA-7D75-17A7500E0D12}"/>
+              </a:ext>
+            </a:extLst>
+          </p:cNvPr>
+          <p:cNvSpPr txBox="1"/>
+          <p:nvPr/>
+        </p:nvSpPr>
+        <p:spPr>
+          <a:xfrm>
+            <a:off x="0" y="-20940"/>
+            <a:ext cx="2903743" cy="646331"/>
+          </a:xfrm>
+          <a:prstGeom prst="rect">
+            <a:avLst/>
+          </a:prstGeom>
+          <a:noFill/>
+        </p:spPr>
+        <p:txBody>
+          <a:bodyPr wrap="square" rtlCol="0">
+            <a:spAutoFit/>
+          </a:bodyPr>
+          <a:lstStyle/>
+          <a:p>
+            <a:r>
+              <a:rPr lang="ko-KR" altLang="en-US" dirty="0" err="1"/>
+              <a:t>전처리</a:t>
+            </a:r>
+            <a:r>
+              <a:rPr lang="ko-KR" altLang="en-US" dirty="0"/>
+              <a:t> 전</a:t>
+            </a:r>
+            <a:br>
+              <a:rPr lang="en-US" altLang="ko-KR" dirty="0"/>
+            </a:br>
+            <a:r>
+              <a:rPr lang="ko-KR" altLang="en-US" dirty="0"/>
+              <a:t>검색 못함</a:t>
+            </a:r>
+          </a:p>
+        </p:txBody>
+      </p:sp>
+    </p:spTree>
+    <p:extLst>
+      <p:ext uri="{BB962C8B-B14F-4D97-AF65-F5344CB8AC3E}">
+        <p14:creationId xmlns:p14="http://schemas.microsoft.com/office/powerpoint/2010/main" val="4031086551"/>
+      </p:ext>
+    </p:extLst>
+  </p:cSld>
+  <p:clrMapOvr>
+    <a:masterClrMapping/>
+  </p:clrMapOvr>
+</p:sld>
+</file>
+
+<file path=ppt/slides/slide6.xml><?xml version="1.0" encoding="utf-8"?>
+<p:sld xmlns:a="http://schemas.openxmlformats.org/drawingml/2006/main" xmlns:r="http://schemas.openxmlformats.org/officeDocument/2006/relationships" xmlns:p="http://schemas.openxmlformats.org/presentationml/2006/main">
+  <p:cSld>
+    <p:spTree>
+      <p:nvGrpSpPr>
+        <p:cNvPr id="1" name="">
+          <a:extLst>
+            <a:ext uri="{FF2B5EF4-FFF2-40B4-BE49-F238E27FC236}">
+              <a16:creationId xmlns:a16="http://schemas.microsoft.com/office/drawing/2014/main" id="{A7DE4541-551E-F26E-D52A-B2E5A22EC144}"/>
+            </a:ext>
+          </a:extLst>
+        </p:cNvPr>
+        <p:cNvGrpSpPr/>
+        <p:nvPr/>
+      </p:nvGrpSpPr>
+      <p:grpSpPr>
+        <a:xfrm>
+          <a:off x="0" y="0"/>
+          <a:ext cx="0" cy="0"/>
+          <a:chOff x="0" y="0"/>
+          <a:chExt cx="0" cy="0"/>
+        </a:xfrm>
+      </p:grpSpPr>
+      <p:sp>
+        <p:nvSpPr>
+          <p:cNvPr id="4" name="TextBox 3">
+            <a:extLst>
+              <a:ext uri="{FF2B5EF4-FFF2-40B4-BE49-F238E27FC236}">
+                <a16:creationId xmlns:a16="http://schemas.microsoft.com/office/drawing/2014/main" id="{E840EE07-C814-8412-4D9A-EDFFFC613D02}"/>
+              </a:ext>
+            </a:extLst>
+          </p:cNvPr>
+          <p:cNvSpPr txBox="1"/>
+          <p:nvPr/>
+        </p:nvSpPr>
+        <p:spPr>
+          <a:xfrm>
+            <a:off x="0" y="-20940"/>
+            <a:ext cx="2903743" cy="646331"/>
+          </a:xfrm>
+          <a:prstGeom prst="rect">
+            <a:avLst/>
+          </a:prstGeom>
+          <a:noFill/>
+        </p:spPr>
+        <p:txBody>
+          <a:bodyPr wrap="square" rtlCol="0">
+            <a:spAutoFit/>
+          </a:bodyPr>
+          <a:lstStyle/>
+          <a:p>
+            <a:r>
+              <a:rPr lang="ko-KR" altLang="en-US" dirty="0" err="1"/>
+              <a:t>전처리</a:t>
+            </a:r>
+            <a:r>
+              <a:rPr lang="ko-KR" altLang="en-US" dirty="0"/>
+              <a:t> 후</a:t>
+            </a:r>
+            <a:br>
+              <a:rPr lang="en-US" altLang="ko-KR" dirty="0"/>
+            </a:br>
+            <a:r>
+              <a:rPr lang="ko-KR" altLang="en-US" dirty="0"/>
+              <a:t>검색 못함</a:t>
+            </a:r>
+          </a:p>
+        </p:txBody>
+      </p:sp>
+      <p:pic>
+        <p:nvPicPr>
+          <p:cNvPr id="5" name="그림 4">
+            <a:extLst>
+              <a:ext uri="{FF2B5EF4-FFF2-40B4-BE49-F238E27FC236}">
+                <a16:creationId xmlns:a16="http://schemas.microsoft.com/office/drawing/2014/main" id="{8EBAAA37-1BA4-FCD7-5EBF-DBC5446E5F9B}"/>
+              </a:ext>
+            </a:extLst>
+          </p:cNvPr>
+          <p:cNvPicPr>
+            <a:picLocks noChangeAspect="1"/>
+          </p:cNvPicPr>
+          <p:nvPr/>
+        </p:nvPicPr>
+        <p:blipFill>
+          <a:blip r:embed="rId2"/>
+          <a:stretch>
+            <a:fillRect/>
+          </a:stretch>
+        </p:blipFill>
+        <p:spPr>
+          <a:xfrm>
+            <a:off x="0" y="1148717"/>
+            <a:ext cx="12192000" cy="3192455"/>
+          </a:xfrm>
+          <a:prstGeom prst="rect">
+            <a:avLst/>
+          </a:prstGeom>
+        </p:spPr>
+      </p:pic>
+    </p:spTree>
+    <p:extLst>
+      <p:ext uri="{BB962C8B-B14F-4D97-AF65-F5344CB8AC3E}">
+        <p14:creationId xmlns:p14="http://schemas.microsoft.com/office/powerpoint/2010/main" val="3782621740"/>
       </p:ext>
     </p:extLst>
   </p:cSld>
